--- a/Presentation/Week7/Build Web Games-7.pptx
+++ b/Presentation/Week7/Build Web Games-7.pptx
@@ -3803,8 +3803,8 @@
         </p:nvSpPr>
         <p:spPr>
           <a:xfrm>
-            <a:off x="1307670" y="3096072"/>
-            <a:ext cx="7394629" cy="1169551"/>
+            <a:off x="937648" y="3096072"/>
+            <a:ext cx="8237350" cy="1169551"/>
           </a:xfrm>
           <a:prstGeom prst="rect">
             <a:avLst/>
@@ -3926,6 +3926,26 @@
                 <a:latin typeface="Consolas" panose="020B0609020204030204" pitchFamily="49" charset="0"/>
               </a:rPr>
               <a:t>"Jerry"</a:t>
+            </a:r>
+            <a:r>
+              <a:rPr lang="en-US" sz="1400" b="0" dirty="0">
+                <a:solidFill>
+                  <a:srgbClr val="000000"/>
+                </a:solidFill>
+                <a:effectLst/>
+                <a:latin typeface="Consolas" panose="020B0609020204030204" pitchFamily="49" charset="0"/>
+              </a:rPr>
+              <a:t>, </a:t>
+            </a:r>
+            <a:r>
+              <a:rPr lang="en-US" sz="1400" b="0" dirty="0">
+                <a:solidFill>
+                  <a:srgbClr val="A31515"/>
+                </a:solidFill>
+                <a:effectLst/>
+                <a:latin typeface="Consolas" panose="020B0609020204030204" pitchFamily="49" charset="0"/>
+              </a:rPr>
+              <a:t>“Marco"</a:t>
             </a:r>
             <a:r>
               <a:rPr lang="en-US" sz="1400" b="0" dirty="0">
@@ -4273,7 +4293,7 @@
         <p:spPr>
           <a:xfrm>
             <a:off x="6522849" y="3842070"/>
-            <a:ext cx="3365069" cy="1384995"/>
+            <a:ext cx="3365069" cy="1600438"/>
           </a:xfrm>
           <a:prstGeom prst="rect">
             <a:avLst/>
@@ -4389,7 +4409,26 @@
                 <a:effectLst/>
                 <a:latin typeface="Consolas" panose="020B0609020204030204" pitchFamily="49" charset="0"/>
               </a:rPr>
-              <a:t>// Name[ 5 ] =  Henry</a:t>
+              <a:t>// Name[ 5 ] =  Marco</a:t>
+            </a:r>
+            <a:endParaRPr lang="en-US" sz="1400" b="0" dirty="0">
+              <a:solidFill>
+                <a:srgbClr val="000000"/>
+              </a:solidFill>
+              <a:effectLst/>
+              <a:latin typeface="Consolas" panose="020B0609020204030204" pitchFamily="49" charset="0"/>
+            </a:endParaRPr>
+          </a:p>
+          <a:p>
+            <a:r>
+              <a:rPr lang="en-US" sz="1400" b="0" dirty="0">
+                <a:solidFill>
+                  <a:srgbClr val="008000"/>
+                </a:solidFill>
+                <a:effectLst/>
+                <a:latin typeface="Consolas" panose="020B0609020204030204" pitchFamily="49" charset="0"/>
+              </a:rPr>
+              <a:t>// Name[ 6 ] =  Henry</a:t>
             </a:r>
             <a:endParaRPr lang="en-US" sz="1400" b="0" dirty="0">
               <a:solidFill>
@@ -11525,7 +11564,7 @@
           <a:p>
             <a:r>
               <a:rPr lang="en-US" dirty="0"/>
-              <a:t>let names = [“Chole”,  “Arthur”,  “Sophie”, “Aiden”, “Jerry”, “Henry”]</a:t>
+              <a:t>let names = [“Chole”,  “Arthur”,  “Sophie”, “Aiden”, “Jerry”, “Marco”, “Henry”]</a:t>
             </a:r>
           </a:p>
           <a:p>
@@ -12030,8 +12069,8 @@
         </p:nvSpPr>
         <p:spPr>
           <a:xfrm>
-            <a:off x="1394847" y="2555711"/>
-            <a:ext cx="9854434" cy="1077218"/>
+            <a:off x="728420" y="2555711"/>
+            <a:ext cx="10817817" cy="1077218"/>
           </a:xfrm>
           <a:prstGeom prst="rect">
             <a:avLst/>
@@ -12172,6 +12211,26 @@
                 <a:effectLst/>
                 <a:latin typeface="Consolas" panose="020B0609020204030204" pitchFamily="49" charset="0"/>
               </a:rPr>
+              <a:t>“Marco"</a:t>
+            </a:r>
+            <a:r>
+              <a:rPr lang="en-US" sz="1600" b="0" dirty="0">
+                <a:solidFill>
+                  <a:srgbClr val="000000"/>
+                </a:solidFill>
+                <a:effectLst/>
+                <a:latin typeface="Consolas" panose="020B0609020204030204" pitchFamily="49" charset="0"/>
+              </a:rPr>
+              <a:t>, </a:t>
+            </a:r>
+            <a:r>
+              <a:rPr lang="en-US" sz="1600" b="0" dirty="0">
+                <a:solidFill>
+                  <a:srgbClr val="A31515"/>
+                </a:solidFill>
+                <a:effectLst/>
+                <a:latin typeface="Consolas" panose="020B0609020204030204" pitchFamily="49" charset="0"/>
+              </a:rPr>
               <a:t>"Henry"</a:t>
             </a:r>
             <a:r>
@@ -12194,7 +12253,7 @@
                 <a:effectLst/>
                 <a:latin typeface="Consolas" panose="020B0609020204030204" pitchFamily="49" charset="0"/>
               </a:rPr>
-              <a:t>fruits[</a:t>
+              <a:t>names[</a:t>
             </a:r>
             <a:r>
               <a:rPr lang="en-US" sz="1600" b="0" dirty="0">
@@ -12258,7 +12317,7 @@
                 <a:effectLst/>
                 <a:latin typeface="Consolas" panose="020B0609020204030204" pitchFamily="49" charset="0"/>
               </a:rPr>
-              <a:t>// This will now display: ["Chole",  "Arthur",  "Sophia", "Aiden", "Jerry", "Henry"]</a:t>
+              <a:t>// This will now display: ["Chole",  "Arthur",  "Sophia", "Aiden", "Jerry", “Marco", "Henry"]</a:t>
             </a:r>
             <a:endParaRPr lang="en-US" sz="1600" b="0" dirty="0">
               <a:solidFill>
@@ -12526,6 +12585,26 @@
                 <a:effectLst/>
                 <a:latin typeface="Consolas" panose="020B0609020204030204" pitchFamily="49" charset="0"/>
               </a:rPr>
+              <a:t>“Marco"</a:t>
+            </a:r>
+            <a:r>
+              <a:rPr lang="en-US" sz="1400" b="0" dirty="0">
+                <a:solidFill>
+                  <a:srgbClr val="000000"/>
+                </a:solidFill>
+                <a:effectLst/>
+                <a:latin typeface="Consolas" panose="020B0609020204030204" pitchFamily="49" charset="0"/>
+              </a:rPr>
+              <a:t>, </a:t>
+            </a:r>
+            <a:r>
+              <a:rPr lang="en-US" sz="1400" b="0" dirty="0">
+                <a:solidFill>
+                  <a:srgbClr val="A31515"/>
+                </a:solidFill>
+                <a:effectLst/>
+                <a:latin typeface="Consolas" panose="020B0609020204030204" pitchFamily="49" charset="0"/>
+              </a:rPr>
               <a:t>"Henry"</a:t>
             </a:r>
             <a:r>
@@ -12590,7 +12669,7 @@
                 <a:effectLst/>
                 <a:latin typeface="Consolas" panose="020B0609020204030204" pitchFamily="49" charset="0"/>
               </a:rPr>
-              <a:t>// This will now display: ["Chole",  "Arthur",  "Sophia", "Aiden", "Jerry", "Henry", "Michael"]</a:t>
+              <a:t>// This will now display: ["Chole",  "Arthur",  "Sophia", "Aiden", "Jerry", “Marco", "Henry", "Michael"]</a:t>
             </a:r>
             <a:endParaRPr lang="en-US" sz="1400" b="0" dirty="0">
               <a:solidFill>
@@ -12631,7 +12710,7 @@
                 <a:effectLst/>
                 <a:latin typeface="Consolas" panose="020B0609020204030204" pitchFamily="49" charset="0"/>
               </a:rPr>
-              <a:t>// This will now display: ["Chole",  "Arthur",  "Sophia", "Aiden", "Jerry", "Henry"]</a:t>
+              <a:t>// This will now display: ["Chole",  "Arthur",  "Sophia", "Aiden", "Jerry", “Marco", "Henry"]</a:t>
             </a:r>
             <a:endParaRPr lang="en-US" sz="1400" b="0" dirty="0">
               <a:solidFill>
